--- a/apps/recent_work/poster.pptx
+++ b/apps/recent_work/poster.pptx
@@ -4827,19 +4827,7 @@
               <a:rPr lang="en-US" altLang="en-US" sz="3200" dirty="0">
                 <a:cs typeface="Calibri" panose="020F0502020204030204" pitchFamily="34" charset="0"/>
               </a:rPr>
-              <a:t> at </a:t>
-            </a:r>
-            <a:r>
-              <a:rPr lang="en-US" altLang="en-US" sz="3200" dirty="0" err="1">
-                <a:cs typeface="Calibri" panose="020F0502020204030204" pitchFamily="34" charset="0"/>
-              </a:rPr>
-              <a:t>ttps</a:t>
-            </a:r>
-            <a:r>
-              <a:rPr lang="en-US" altLang="en-US" sz="3200" dirty="0">
-                <a:cs typeface="Calibri" panose="020F0502020204030204" pitchFamily="34" charset="0"/>
-              </a:rPr>
-              <a:t>://</a:t>
+              <a:t> at https://</a:t>
             </a:r>
             <a:r>
               <a:rPr lang="en-US" altLang="en-US" sz="3200" dirty="0" err="1">
@@ -5050,8 +5038,8 @@
             </a:prstGeom>
           </p:spPr>
         </p:pic>
-        <mc:AlternateContent xmlns:mc="http://schemas.openxmlformats.org/markup-compatibility/2006">
-          <mc:Choice xmlns:a14="http://schemas.microsoft.com/office/drawing/2010/main" Requires="a14">
+        <mc:AlternateContent xmlns:mc="http://schemas.openxmlformats.org/markup-compatibility/2006" xmlns:a14="http://schemas.microsoft.com/office/drawing/2010/main">
+          <mc:Choice Requires="a14">
             <p:sp>
               <p:nvSpPr>
                 <p:cNvPr id="8" name="TextBox 7">
@@ -5105,7 +5093,7 @@
               </p:txBody>
             </p:sp>
           </mc:Choice>
-          <mc:Fallback>
+          <mc:Fallback xmlns="">
             <p:sp>
               <p:nvSpPr>
                 <p:cNvPr id="8" name="TextBox 7">
@@ -5248,8 +5236,8 @@
             </a:p>
           </p:txBody>
         </p:sp>
-        <mc:AlternateContent xmlns:mc="http://schemas.openxmlformats.org/markup-compatibility/2006">
-          <mc:Choice xmlns:a14="http://schemas.microsoft.com/office/drawing/2010/main" Requires="a14">
+        <mc:AlternateContent xmlns:mc="http://schemas.openxmlformats.org/markup-compatibility/2006" xmlns:a14="http://schemas.microsoft.com/office/drawing/2010/main">
+          <mc:Choice Requires="a14">
             <p:sp>
               <p:nvSpPr>
                 <p:cNvPr id="16" name="TextBox 15">
@@ -5324,7 +5312,7 @@
               </p:txBody>
             </p:sp>
           </mc:Choice>
-          <mc:Fallback>
+          <mc:Fallback xmlns="">
             <p:sp>
               <p:nvSpPr>
                 <p:cNvPr id="16" name="TextBox 15">
@@ -5369,8 +5357,8 @@
             </p:sp>
           </mc:Fallback>
         </mc:AlternateContent>
-        <mc:AlternateContent xmlns:mc="http://schemas.openxmlformats.org/markup-compatibility/2006">
-          <mc:Choice xmlns:a14="http://schemas.microsoft.com/office/drawing/2010/main" Requires="a14">
+        <mc:AlternateContent xmlns:mc="http://schemas.openxmlformats.org/markup-compatibility/2006" xmlns:a14="http://schemas.microsoft.com/office/drawing/2010/main">
+          <mc:Choice Requires="a14">
             <p:sp>
               <p:nvSpPr>
                 <p:cNvPr id="17" name="TextBox 16">
@@ -5445,7 +5433,7 @@
               </p:txBody>
             </p:sp>
           </mc:Choice>
-          <mc:Fallback>
+          <mc:Fallback xmlns="">
             <p:sp>
               <p:nvSpPr>
                 <p:cNvPr id="17" name="TextBox 16">
@@ -5490,8 +5478,8 @@
             </p:sp>
           </mc:Fallback>
         </mc:AlternateContent>
-        <mc:AlternateContent xmlns:mc="http://schemas.openxmlformats.org/markup-compatibility/2006">
-          <mc:Choice xmlns:a14="http://schemas.microsoft.com/office/drawing/2010/main" Requires="a14">
+        <mc:AlternateContent xmlns:mc="http://schemas.openxmlformats.org/markup-compatibility/2006" xmlns:a14="http://schemas.microsoft.com/office/drawing/2010/main">
+          <mc:Choice Requires="a14">
             <p:sp>
               <p:nvSpPr>
                 <p:cNvPr id="18" name="TextBox 17">
@@ -5545,7 +5533,7 @@
               </p:txBody>
             </p:sp>
           </mc:Choice>
-          <mc:Fallback>
+          <mc:Fallback xmlns="">
             <p:sp>
               <p:nvSpPr>
                 <p:cNvPr id="18" name="TextBox 17">
@@ -5590,8 +5578,8 @@
             </p:sp>
           </mc:Fallback>
         </mc:AlternateContent>
-        <mc:AlternateContent xmlns:mc="http://schemas.openxmlformats.org/markup-compatibility/2006">
-          <mc:Choice xmlns:a14="http://schemas.microsoft.com/office/drawing/2010/main" Requires="a14">
+        <mc:AlternateContent xmlns:mc="http://schemas.openxmlformats.org/markup-compatibility/2006" xmlns:a14="http://schemas.microsoft.com/office/drawing/2010/main">
+          <mc:Choice Requires="a14">
             <p:sp>
               <p:nvSpPr>
                 <p:cNvPr id="19" name="TextBox 18">
@@ -5666,7 +5654,7 @@
               </p:txBody>
             </p:sp>
           </mc:Choice>
-          <mc:Fallback>
+          <mc:Fallback xmlns="">
             <p:sp>
               <p:nvSpPr>
                 <p:cNvPr id="19" name="TextBox 18">
@@ -5815,8 +5803,8 @@
             </a:p>
           </p:txBody>
         </p:sp>
-        <mc:AlternateContent xmlns:mc="http://schemas.openxmlformats.org/markup-compatibility/2006">
-          <mc:Choice xmlns:a14="http://schemas.microsoft.com/office/drawing/2010/main" Requires="a14">
+        <mc:AlternateContent xmlns:mc="http://schemas.openxmlformats.org/markup-compatibility/2006" xmlns:a14="http://schemas.microsoft.com/office/drawing/2010/main">
+          <mc:Choice Requires="a14">
             <p:sp>
               <p:nvSpPr>
                 <p:cNvPr id="22" name="TextBox 21">
@@ -5891,7 +5879,7 @@
               </p:txBody>
             </p:sp>
           </mc:Choice>
-          <mc:Fallback>
+          <mc:Fallback xmlns="">
             <p:sp>
               <p:nvSpPr>
                 <p:cNvPr id="22" name="TextBox 21">
@@ -5936,8 +5924,8 @@
             </p:sp>
           </mc:Fallback>
         </mc:AlternateContent>
-        <mc:AlternateContent xmlns:mc="http://schemas.openxmlformats.org/markup-compatibility/2006">
-          <mc:Choice xmlns:a14="http://schemas.microsoft.com/office/drawing/2010/main" Requires="a14">
+        <mc:AlternateContent xmlns:mc="http://schemas.openxmlformats.org/markup-compatibility/2006" xmlns:a14="http://schemas.microsoft.com/office/drawing/2010/main">
+          <mc:Choice Requires="a14">
             <p:sp>
               <p:nvSpPr>
                 <p:cNvPr id="27" name="TextBox 26">
@@ -5991,7 +5979,7 @@
               </p:txBody>
             </p:sp>
           </mc:Choice>
-          <mc:Fallback>
+          <mc:Fallback xmlns="">
             <p:sp>
               <p:nvSpPr>
                 <p:cNvPr id="27" name="TextBox 26">
@@ -6333,8 +6321,8 @@
             </a:p>
           </p:txBody>
         </p:sp>
-        <mc:AlternateContent xmlns:mc="http://schemas.openxmlformats.org/markup-compatibility/2006">
-          <mc:Choice xmlns:a14="http://schemas.microsoft.com/office/drawing/2010/main" Requires="a14">
+        <mc:AlternateContent xmlns:mc="http://schemas.openxmlformats.org/markup-compatibility/2006" xmlns:a14="http://schemas.microsoft.com/office/drawing/2010/main">
+          <mc:Choice Requires="a14">
             <p:sp>
               <p:nvSpPr>
                 <p:cNvPr id="2091" name="TextBox 2090">
@@ -6404,7 +6392,7 @@
               </p:txBody>
             </p:sp>
           </mc:Choice>
-          <mc:Fallback>
+          <mc:Fallback xmlns="">
             <p:sp>
               <p:nvSpPr>
                 <p:cNvPr id="2091" name="TextBox 2090">
@@ -6449,8 +6437,8 @@
             </p:sp>
           </mc:Fallback>
         </mc:AlternateContent>
-        <mc:AlternateContent xmlns:mc="http://schemas.openxmlformats.org/markup-compatibility/2006">
-          <mc:Choice xmlns:a14="http://schemas.microsoft.com/office/drawing/2010/main" Requires="a14">
+        <mc:AlternateContent xmlns:mc="http://schemas.openxmlformats.org/markup-compatibility/2006" xmlns:a14="http://schemas.microsoft.com/office/drawing/2010/main">
+          <mc:Choice Requires="a14">
             <p:sp>
               <p:nvSpPr>
                 <p:cNvPr id="2092" name="TextBox 2091">
@@ -6510,7 +6498,7 @@
               </p:txBody>
             </p:sp>
           </mc:Choice>
-          <mc:Fallback>
+          <mc:Fallback xmlns="">
             <p:sp>
               <p:nvSpPr>
                 <p:cNvPr id="2092" name="TextBox 2091">
@@ -6555,8 +6543,8 @@
             </p:sp>
           </mc:Fallback>
         </mc:AlternateContent>
-        <mc:AlternateContent xmlns:mc="http://schemas.openxmlformats.org/markup-compatibility/2006">
-          <mc:Choice xmlns:a14="http://schemas.microsoft.com/office/drawing/2010/main" Requires="a14">
+        <mc:AlternateContent xmlns:mc="http://schemas.openxmlformats.org/markup-compatibility/2006" xmlns:a14="http://schemas.microsoft.com/office/drawing/2010/main">
+          <mc:Choice Requires="a14">
             <p:sp>
               <p:nvSpPr>
                 <p:cNvPr id="2093" name="TextBox 2092">
@@ -6614,7 +6602,7 @@
               </p:txBody>
             </p:sp>
           </mc:Choice>
-          <mc:Fallback>
+          <mc:Fallback xmlns="">
             <p:sp>
               <p:nvSpPr>
                 <p:cNvPr id="2093" name="TextBox 2092">
@@ -6659,8 +6647,8 @@
             </p:sp>
           </mc:Fallback>
         </mc:AlternateContent>
-        <mc:AlternateContent xmlns:mc="http://schemas.openxmlformats.org/markup-compatibility/2006">
-          <mc:Choice xmlns:a14="http://schemas.microsoft.com/office/drawing/2010/main" Requires="a14">
+        <mc:AlternateContent xmlns:mc="http://schemas.openxmlformats.org/markup-compatibility/2006" xmlns:a14="http://schemas.microsoft.com/office/drawing/2010/main">
+          <mc:Choice Requires="a14">
             <p:sp>
               <p:nvSpPr>
                 <p:cNvPr id="2094" name="TextBox 2093">
@@ -6730,7 +6718,7 @@
               </p:txBody>
             </p:sp>
           </mc:Choice>
-          <mc:Fallback>
+          <mc:Fallback xmlns="">
             <p:sp>
               <p:nvSpPr>
                 <p:cNvPr id="2094" name="TextBox 2093">
@@ -6775,8 +6763,8 @@
             </p:sp>
           </mc:Fallback>
         </mc:AlternateContent>
-        <mc:AlternateContent xmlns:mc="http://schemas.openxmlformats.org/markup-compatibility/2006">
-          <mc:Choice xmlns:a14="http://schemas.microsoft.com/office/drawing/2010/main" Requires="a14">
+        <mc:AlternateContent xmlns:mc="http://schemas.openxmlformats.org/markup-compatibility/2006" xmlns:a14="http://schemas.microsoft.com/office/drawing/2010/main">
+          <mc:Choice Requires="a14">
             <p:sp>
               <p:nvSpPr>
                 <p:cNvPr id="2095" name="TextBox 2094">
@@ -6836,7 +6824,7 @@
               </p:txBody>
             </p:sp>
           </mc:Choice>
-          <mc:Fallback>
+          <mc:Fallback xmlns="">
             <p:sp>
               <p:nvSpPr>
                 <p:cNvPr id="2095" name="TextBox 2094">
@@ -6881,8 +6869,8 @@
             </p:sp>
           </mc:Fallback>
         </mc:AlternateContent>
-        <mc:AlternateContent xmlns:mc="http://schemas.openxmlformats.org/markup-compatibility/2006">
-          <mc:Choice xmlns:a14="http://schemas.microsoft.com/office/drawing/2010/main" Requires="a14">
+        <mc:AlternateContent xmlns:mc="http://schemas.openxmlformats.org/markup-compatibility/2006" xmlns:a14="http://schemas.microsoft.com/office/drawing/2010/main">
+          <mc:Choice Requires="a14">
             <p:sp>
               <p:nvSpPr>
                 <p:cNvPr id="2096" name="TextBox 2095">
@@ -6942,7 +6930,7 @@
               </p:txBody>
             </p:sp>
           </mc:Choice>
-          <mc:Fallback>
+          <mc:Fallback xmlns="">
             <p:sp>
               <p:nvSpPr>
                 <p:cNvPr id="2096" name="TextBox 2095">
@@ -7093,8 +7081,8 @@
             </a:p>
           </p:txBody>
         </p:sp>
-        <mc:AlternateContent xmlns:mc="http://schemas.openxmlformats.org/markup-compatibility/2006">
-          <mc:Choice xmlns:a14="http://schemas.microsoft.com/office/drawing/2010/main" Requires="a14">
+        <mc:AlternateContent xmlns:mc="http://schemas.openxmlformats.org/markup-compatibility/2006" xmlns:a14="http://schemas.microsoft.com/office/drawing/2010/main">
+          <mc:Choice Requires="a14">
             <p:sp>
               <p:nvSpPr>
                 <p:cNvPr id="2099" name="TextBox 2098">
@@ -7164,7 +7152,7 @@
               </p:txBody>
             </p:sp>
           </mc:Choice>
-          <mc:Fallback>
+          <mc:Fallback xmlns="">
             <p:sp>
               <p:nvSpPr>
                 <p:cNvPr id="2099" name="TextBox 2098">
@@ -7209,8 +7197,8 @@
             </p:sp>
           </mc:Fallback>
         </mc:AlternateContent>
-        <mc:AlternateContent xmlns:mc="http://schemas.openxmlformats.org/markup-compatibility/2006">
-          <mc:Choice xmlns:a14="http://schemas.microsoft.com/office/drawing/2010/main" Requires="a14">
+        <mc:AlternateContent xmlns:mc="http://schemas.openxmlformats.org/markup-compatibility/2006" xmlns:a14="http://schemas.microsoft.com/office/drawing/2010/main">
+          <mc:Choice Requires="a14">
             <p:sp>
               <p:nvSpPr>
                 <p:cNvPr id="2100" name="TextBox 2099">
@@ -7270,7 +7258,7 @@
               </p:txBody>
             </p:sp>
           </mc:Choice>
-          <mc:Fallback>
+          <mc:Fallback xmlns="">
             <p:sp>
               <p:nvSpPr>
                 <p:cNvPr id="2100" name="TextBox 2099">
@@ -7315,8 +7303,8 @@
             </p:sp>
           </mc:Fallback>
         </mc:AlternateContent>
-        <mc:AlternateContent xmlns:mc="http://schemas.openxmlformats.org/markup-compatibility/2006">
-          <mc:Choice xmlns:a14="http://schemas.microsoft.com/office/drawing/2010/main" Requires="a14">
+        <mc:AlternateContent xmlns:mc="http://schemas.openxmlformats.org/markup-compatibility/2006" xmlns:a14="http://schemas.microsoft.com/office/drawing/2010/main">
+          <mc:Choice Requires="a14">
             <p:sp>
               <p:nvSpPr>
                 <p:cNvPr id="2101" name="TextBox 2100">
@@ -7374,7 +7362,7 @@
               </p:txBody>
             </p:sp>
           </mc:Choice>
-          <mc:Fallback>
+          <mc:Fallback xmlns="">
             <p:sp>
               <p:nvSpPr>
                 <p:cNvPr id="2101" name="TextBox 2100">
@@ -7419,8 +7407,8 @@
             </p:sp>
           </mc:Fallback>
         </mc:AlternateContent>
-        <mc:AlternateContent xmlns:mc="http://schemas.openxmlformats.org/markup-compatibility/2006">
-          <mc:Choice xmlns:a14="http://schemas.microsoft.com/office/drawing/2010/main" Requires="a14">
+        <mc:AlternateContent xmlns:mc="http://schemas.openxmlformats.org/markup-compatibility/2006" xmlns:a14="http://schemas.microsoft.com/office/drawing/2010/main">
+          <mc:Choice Requires="a14">
             <p:sp>
               <p:nvSpPr>
                 <p:cNvPr id="2102" name="TextBox 2101">
@@ -7480,7 +7468,7 @@
               </p:txBody>
             </p:sp>
           </mc:Choice>
-          <mc:Fallback>
+          <mc:Fallback xmlns="">
             <p:sp>
               <p:nvSpPr>
                 <p:cNvPr id="2102" name="TextBox 2101">
@@ -7525,8 +7513,8 @@
             </p:sp>
           </mc:Fallback>
         </mc:AlternateContent>
-        <mc:AlternateContent xmlns:mc="http://schemas.openxmlformats.org/markup-compatibility/2006">
-          <mc:Choice xmlns:a14="http://schemas.microsoft.com/office/drawing/2010/main" Requires="a14">
+        <mc:AlternateContent xmlns:mc="http://schemas.openxmlformats.org/markup-compatibility/2006" xmlns:a14="http://schemas.microsoft.com/office/drawing/2010/main">
+          <mc:Choice Requires="a14">
             <p:sp>
               <p:nvSpPr>
                 <p:cNvPr id="2103" name="TextBox 2102">
@@ -7586,7 +7574,7 @@
               </p:txBody>
             </p:sp>
           </mc:Choice>
-          <mc:Fallback>
+          <mc:Fallback xmlns="">
             <p:sp>
               <p:nvSpPr>
                 <p:cNvPr id="2103" name="TextBox 2102">
@@ -7631,8 +7619,8 @@
             </p:sp>
           </mc:Fallback>
         </mc:AlternateContent>
-        <mc:AlternateContent xmlns:mc="http://schemas.openxmlformats.org/markup-compatibility/2006">
-          <mc:Choice xmlns:a14="http://schemas.microsoft.com/office/drawing/2010/main" Requires="a14">
+        <mc:AlternateContent xmlns:mc="http://schemas.openxmlformats.org/markup-compatibility/2006" xmlns:a14="http://schemas.microsoft.com/office/drawing/2010/main">
+          <mc:Choice Requires="a14">
             <p:sp>
               <p:nvSpPr>
                 <p:cNvPr id="2104" name="TextBox 2103">
@@ -7692,7 +7680,7 @@
               </p:txBody>
             </p:sp>
           </mc:Choice>
-          <mc:Fallback>
+          <mc:Fallback xmlns="">
             <p:sp>
               <p:nvSpPr>
                 <p:cNvPr id="2104" name="TextBox 2103">
@@ -8482,8 +8470,8 @@
             </a:prstGeom>
           </p:spPr>
         </p:pic>
-        <mc:AlternateContent xmlns:mc="http://schemas.openxmlformats.org/markup-compatibility/2006">
-          <mc:Choice xmlns:a14="http://schemas.microsoft.com/office/drawing/2010/main" Requires="a14">
+        <mc:AlternateContent xmlns:mc="http://schemas.openxmlformats.org/markup-compatibility/2006" xmlns:a14="http://schemas.microsoft.com/office/drawing/2010/main">
+          <mc:Choice Requires="a14">
             <p:sp>
               <p:nvSpPr>
                 <p:cNvPr id="13315" name="TextBox 13314">
@@ -8600,7 +8588,7 @@
               </p:txBody>
             </p:sp>
           </mc:Choice>
-          <mc:Fallback>
+          <mc:Fallback xmlns="">
             <p:sp>
               <p:nvSpPr>
                 <p:cNvPr id="13315" name="TextBox 13314">
@@ -8645,8 +8633,8 @@
             </p:sp>
           </mc:Fallback>
         </mc:AlternateContent>
-        <mc:AlternateContent xmlns:mc="http://schemas.openxmlformats.org/markup-compatibility/2006">
-          <mc:Choice xmlns:a14="http://schemas.microsoft.com/office/drawing/2010/main" Requires="a14">
+        <mc:AlternateContent xmlns:mc="http://schemas.openxmlformats.org/markup-compatibility/2006" xmlns:a14="http://schemas.microsoft.com/office/drawing/2010/main">
+          <mc:Choice Requires="a14">
             <p:sp>
               <p:nvSpPr>
                 <p:cNvPr id="13316" name="TextBox 13315">
@@ -8716,7 +8704,7 @@
               </p:txBody>
             </p:sp>
           </mc:Choice>
-          <mc:Fallback>
+          <mc:Fallback xmlns="">
             <p:sp>
               <p:nvSpPr>
                 <p:cNvPr id="13316" name="TextBox 13315">
@@ -8761,8 +8749,8 @@
             </p:sp>
           </mc:Fallback>
         </mc:AlternateContent>
-        <mc:AlternateContent xmlns:mc="http://schemas.openxmlformats.org/markup-compatibility/2006">
-          <mc:Choice xmlns:a14="http://schemas.microsoft.com/office/drawing/2010/main" Requires="a14">
+        <mc:AlternateContent xmlns:mc="http://schemas.openxmlformats.org/markup-compatibility/2006" xmlns:a14="http://schemas.microsoft.com/office/drawing/2010/main">
+          <mc:Choice Requires="a14">
             <p:sp>
               <p:nvSpPr>
                 <p:cNvPr id="13317" name="TextBox 13316">
@@ -8820,7 +8808,7 @@
               </p:txBody>
             </p:sp>
           </mc:Choice>
-          <mc:Fallback>
+          <mc:Fallback xmlns="">
             <p:sp>
               <p:nvSpPr>
                 <p:cNvPr id="13317" name="TextBox 13316">
@@ -8865,8 +8853,8 @@
             </p:sp>
           </mc:Fallback>
         </mc:AlternateContent>
-        <mc:AlternateContent xmlns:mc="http://schemas.openxmlformats.org/markup-compatibility/2006">
-          <mc:Choice xmlns:a14="http://schemas.microsoft.com/office/drawing/2010/main" Requires="a14">
+        <mc:AlternateContent xmlns:mc="http://schemas.openxmlformats.org/markup-compatibility/2006" xmlns:a14="http://schemas.microsoft.com/office/drawing/2010/main">
+          <mc:Choice Requires="a14">
             <p:sp>
               <p:nvSpPr>
                 <p:cNvPr id="13318" name="TextBox 13317">
@@ -8936,7 +8924,7 @@
               </p:txBody>
             </p:sp>
           </mc:Choice>
-          <mc:Fallback>
+          <mc:Fallback xmlns="">
             <p:sp>
               <p:nvSpPr>
                 <p:cNvPr id="13318" name="TextBox 13317">
@@ -8981,8 +8969,8 @@
             </p:sp>
           </mc:Fallback>
         </mc:AlternateContent>
-        <mc:AlternateContent xmlns:mc="http://schemas.openxmlformats.org/markup-compatibility/2006">
-          <mc:Choice xmlns:a14="http://schemas.microsoft.com/office/drawing/2010/main" Requires="a14">
+        <mc:AlternateContent xmlns:mc="http://schemas.openxmlformats.org/markup-compatibility/2006" xmlns:a14="http://schemas.microsoft.com/office/drawing/2010/main">
+          <mc:Choice Requires="a14">
             <p:sp>
               <p:nvSpPr>
                 <p:cNvPr id="13319" name="TextBox 13318">
@@ -9042,7 +9030,7 @@
               </p:txBody>
             </p:sp>
           </mc:Choice>
-          <mc:Fallback>
+          <mc:Fallback xmlns="">
             <p:sp>
               <p:nvSpPr>
                 <p:cNvPr id="13319" name="TextBox 13318">
@@ -9087,8 +9075,8 @@
             </p:sp>
           </mc:Fallback>
         </mc:AlternateContent>
-        <mc:AlternateContent xmlns:mc="http://schemas.openxmlformats.org/markup-compatibility/2006">
-          <mc:Choice xmlns:a14="http://schemas.microsoft.com/office/drawing/2010/main" Requires="a14">
+        <mc:AlternateContent xmlns:mc="http://schemas.openxmlformats.org/markup-compatibility/2006" xmlns:a14="http://schemas.microsoft.com/office/drawing/2010/main">
+          <mc:Choice Requires="a14">
             <p:sp>
               <p:nvSpPr>
                 <p:cNvPr id="13320" name="TextBox 13319">
@@ -9158,7 +9146,7 @@
               </p:txBody>
             </p:sp>
           </mc:Choice>
-          <mc:Fallback>
+          <mc:Fallback xmlns="">
             <p:sp>
               <p:nvSpPr>
                 <p:cNvPr id="13320" name="TextBox 13319">
@@ -9203,8 +9191,8 @@
             </p:sp>
           </mc:Fallback>
         </mc:AlternateContent>
-        <mc:AlternateContent xmlns:mc="http://schemas.openxmlformats.org/markup-compatibility/2006">
-          <mc:Choice xmlns:a14="http://schemas.microsoft.com/office/drawing/2010/main" Requires="a14">
+        <mc:AlternateContent xmlns:mc="http://schemas.openxmlformats.org/markup-compatibility/2006" xmlns:a14="http://schemas.microsoft.com/office/drawing/2010/main">
+          <mc:Choice Requires="a14">
             <p:sp>
               <p:nvSpPr>
                 <p:cNvPr id="13321" name="TextBox 13320">
@@ -9274,7 +9262,7 @@
               </p:txBody>
             </p:sp>
           </mc:Choice>
-          <mc:Fallback>
+          <mc:Fallback xmlns="">
             <p:sp>
               <p:nvSpPr>
                 <p:cNvPr id="13321" name="TextBox 13320">
@@ -9319,8 +9307,8 @@
             </p:sp>
           </mc:Fallback>
         </mc:AlternateContent>
-        <mc:AlternateContent xmlns:mc="http://schemas.openxmlformats.org/markup-compatibility/2006">
-          <mc:Choice xmlns:a14="http://schemas.microsoft.com/office/drawing/2010/main" Requires="a14">
+        <mc:AlternateContent xmlns:mc="http://schemas.openxmlformats.org/markup-compatibility/2006" xmlns:a14="http://schemas.microsoft.com/office/drawing/2010/main">
+          <mc:Choice Requires="a14">
             <p:sp>
               <p:nvSpPr>
                 <p:cNvPr id="13322" name="TextBox 13321">
@@ -9378,7 +9366,7 @@
               </p:txBody>
             </p:sp>
           </mc:Choice>
-          <mc:Fallback>
+          <mc:Fallback xmlns="">
             <p:sp>
               <p:nvSpPr>
                 <p:cNvPr id="13322" name="TextBox 13321">
@@ -9423,8 +9411,8 @@
             </p:sp>
           </mc:Fallback>
         </mc:AlternateContent>
-        <mc:AlternateContent xmlns:mc="http://schemas.openxmlformats.org/markup-compatibility/2006">
-          <mc:Choice xmlns:a14="http://schemas.microsoft.com/office/drawing/2010/main" Requires="a14">
+        <mc:AlternateContent xmlns:mc="http://schemas.openxmlformats.org/markup-compatibility/2006" xmlns:a14="http://schemas.microsoft.com/office/drawing/2010/main">
+          <mc:Choice Requires="a14">
             <p:sp>
               <p:nvSpPr>
                 <p:cNvPr id="13324" name="TextBox 13323">
@@ -9494,7 +9482,7 @@
               </p:txBody>
             </p:sp>
           </mc:Choice>
-          <mc:Fallback>
+          <mc:Fallback xmlns="">
             <p:sp>
               <p:nvSpPr>
                 <p:cNvPr id="13324" name="TextBox 13323">
@@ -9539,8 +9527,8 @@
             </p:sp>
           </mc:Fallback>
         </mc:AlternateContent>
-        <mc:AlternateContent xmlns:mc="http://schemas.openxmlformats.org/markup-compatibility/2006">
-          <mc:Choice xmlns:a14="http://schemas.microsoft.com/office/drawing/2010/main" Requires="a14">
+        <mc:AlternateContent xmlns:mc="http://schemas.openxmlformats.org/markup-compatibility/2006" xmlns:a14="http://schemas.microsoft.com/office/drawing/2010/main">
+          <mc:Choice Requires="a14">
             <p:sp>
               <p:nvSpPr>
                 <p:cNvPr id="13325" name="TextBox 13324">
@@ -9600,7 +9588,7 @@
               </p:txBody>
             </p:sp>
           </mc:Choice>
-          <mc:Fallback>
+          <mc:Fallback xmlns="">
             <p:sp>
               <p:nvSpPr>
                 <p:cNvPr id="13325" name="TextBox 13324">
@@ -9645,8 +9633,8 @@
             </p:sp>
           </mc:Fallback>
         </mc:AlternateContent>
-        <mc:AlternateContent xmlns:mc="http://schemas.openxmlformats.org/markup-compatibility/2006">
-          <mc:Choice xmlns:a14="http://schemas.microsoft.com/office/drawing/2010/main" Requires="a14">
+        <mc:AlternateContent xmlns:mc="http://schemas.openxmlformats.org/markup-compatibility/2006" xmlns:a14="http://schemas.microsoft.com/office/drawing/2010/main">
+          <mc:Choice Requires="a14">
             <p:sp>
               <p:nvSpPr>
                 <p:cNvPr id="13326" name="TextBox 13325">
@@ -9716,7 +9704,7 @@
               </p:txBody>
             </p:sp>
           </mc:Choice>
-          <mc:Fallback>
+          <mc:Fallback xmlns="">
             <p:sp>
               <p:nvSpPr>
                 <p:cNvPr id="13326" name="TextBox 13325">
@@ -9761,8 +9749,8 @@
             </p:sp>
           </mc:Fallback>
         </mc:AlternateContent>
-        <mc:AlternateContent xmlns:mc="http://schemas.openxmlformats.org/markup-compatibility/2006">
-          <mc:Choice xmlns:a14="http://schemas.microsoft.com/office/drawing/2010/main" Requires="a14">
+        <mc:AlternateContent xmlns:mc="http://schemas.openxmlformats.org/markup-compatibility/2006" xmlns:a14="http://schemas.microsoft.com/office/drawing/2010/main">
+          <mc:Choice Requires="a14">
             <p:sp>
               <p:nvSpPr>
                 <p:cNvPr id="13327" name="TextBox 13326">
@@ -9832,7 +9820,7 @@
               </p:txBody>
             </p:sp>
           </mc:Choice>
-          <mc:Fallback>
+          <mc:Fallback xmlns="">
             <p:sp>
               <p:nvSpPr>
                 <p:cNvPr id="13327" name="TextBox 13326">
@@ -9877,8 +9865,8 @@
             </p:sp>
           </mc:Fallback>
         </mc:AlternateContent>
-        <mc:AlternateContent xmlns:mc="http://schemas.openxmlformats.org/markup-compatibility/2006">
-          <mc:Choice xmlns:a14="http://schemas.microsoft.com/office/drawing/2010/main" Requires="a14">
+        <mc:AlternateContent xmlns:mc="http://schemas.openxmlformats.org/markup-compatibility/2006" xmlns:a14="http://schemas.microsoft.com/office/drawing/2010/main">
+          <mc:Choice Requires="a14">
             <p:sp>
               <p:nvSpPr>
                 <p:cNvPr id="13328" name="TextBox 13327">
@@ -9936,7 +9924,7 @@
               </p:txBody>
             </p:sp>
           </mc:Choice>
-          <mc:Fallback>
+          <mc:Fallback xmlns="">
             <p:sp>
               <p:nvSpPr>
                 <p:cNvPr id="13328" name="TextBox 13327">
@@ -9981,8 +9969,8 @@
             </p:sp>
           </mc:Fallback>
         </mc:AlternateContent>
-        <mc:AlternateContent xmlns:mc="http://schemas.openxmlformats.org/markup-compatibility/2006">
-          <mc:Choice xmlns:a14="http://schemas.microsoft.com/office/drawing/2010/main" Requires="a14">
+        <mc:AlternateContent xmlns:mc="http://schemas.openxmlformats.org/markup-compatibility/2006" xmlns:a14="http://schemas.microsoft.com/office/drawing/2010/main">
+          <mc:Choice Requires="a14">
             <p:sp>
               <p:nvSpPr>
                 <p:cNvPr id="13329" name="TextBox 13328">
@@ -10042,7 +10030,7 @@
               </p:txBody>
             </p:sp>
           </mc:Choice>
-          <mc:Fallback>
+          <mc:Fallback xmlns="">
             <p:sp>
               <p:nvSpPr>
                 <p:cNvPr id="13329" name="TextBox 13328">
@@ -10087,8 +10075,8 @@
             </p:sp>
           </mc:Fallback>
         </mc:AlternateContent>
-        <mc:AlternateContent xmlns:mc="http://schemas.openxmlformats.org/markup-compatibility/2006">
-          <mc:Choice xmlns:a14="http://schemas.microsoft.com/office/drawing/2010/main" Requires="a14">
+        <mc:AlternateContent xmlns:mc="http://schemas.openxmlformats.org/markup-compatibility/2006" xmlns:a14="http://schemas.microsoft.com/office/drawing/2010/main">
+          <mc:Choice Requires="a14">
             <p:sp>
               <p:nvSpPr>
                 <p:cNvPr id="13330" name="TextBox 13329">
@@ -10148,7 +10136,7 @@
               </p:txBody>
             </p:sp>
           </mc:Choice>
-          <mc:Fallback>
+          <mc:Fallback xmlns="">
             <p:sp>
               <p:nvSpPr>
                 <p:cNvPr id="13330" name="TextBox 13329">
@@ -10193,8 +10181,8 @@
             </p:sp>
           </mc:Fallback>
         </mc:AlternateContent>
-        <mc:AlternateContent xmlns:mc="http://schemas.openxmlformats.org/markup-compatibility/2006">
-          <mc:Choice xmlns:a14="http://schemas.microsoft.com/office/drawing/2010/main" Requires="a14">
+        <mc:AlternateContent xmlns:mc="http://schemas.openxmlformats.org/markup-compatibility/2006" xmlns:a14="http://schemas.microsoft.com/office/drawing/2010/main">
+          <mc:Choice Requires="a14">
             <p:sp>
               <p:nvSpPr>
                 <p:cNvPr id="13331" name="TextBox 13330">
@@ -10254,7 +10242,7 @@
               </p:txBody>
             </p:sp>
           </mc:Choice>
-          <mc:Fallback>
+          <mc:Fallback xmlns="">
             <p:sp>
               <p:nvSpPr>
                 <p:cNvPr id="13331" name="TextBox 13330">
@@ -10299,8 +10287,8 @@
             </p:sp>
           </mc:Fallback>
         </mc:AlternateContent>
-        <mc:AlternateContent xmlns:mc="http://schemas.openxmlformats.org/markup-compatibility/2006">
-          <mc:Choice xmlns:a14="http://schemas.microsoft.com/office/drawing/2010/main" Requires="a14">
+        <mc:AlternateContent xmlns:mc="http://schemas.openxmlformats.org/markup-compatibility/2006" xmlns:a14="http://schemas.microsoft.com/office/drawing/2010/main">
+          <mc:Choice Requires="a14">
             <p:sp>
               <p:nvSpPr>
                 <p:cNvPr id="13332" name="TextBox 13331">
@@ -10360,7 +10348,7 @@
               </p:txBody>
             </p:sp>
           </mc:Choice>
-          <mc:Fallback>
+          <mc:Fallback xmlns="">
             <p:sp>
               <p:nvSpPr>
                 <p:cNvPr id="13332" name="TextBox 13331">
@@ -10405,8 +10393,8 @@
             </p:sp>
           </mc:Fallback>
         </mc:AlternateContent>
-        <mc:AlternateContent xmlns:mc="http://schemas.openxmlformats.org/markup-compatibility/2006">
-          <mc:Choice xmlns:a14="http://schemas.microsoft.com/office/drawing/2010/main" Requires="a14">
+        <mc:AlternateContent xmlns:mc="http://schemas.openxmlformats.org/markup-compatibility/2006" xmlns:a14="http://schemas.microsoft.com/office/drawing/2010/main">
+          <mc:Choice Requires="a14">
             <p:sp>
               <p:nvSpPr>
                 <p:cNvPr id="13333" name="TextBox 13332">
@@ -10466,7 +10454,7 @@
               </p:txBody>
             </p:sp>
           </mc:Choice>
-          <mc:Fallback>
+          <mc:Fallback xmlns="">
             <p:sp>
               <p:nvSpPr>
                 <p:cNvPr id="13333" name="TextBox 13332">
@@ -10511,8 +10499,8 @@
             </p:sp>
           </mc:Fallback>
         </mc:AlternateContent>
-        <mc:AlternateContent xmlns:mc="http://schemas.openxmlformats.org/markup-compatibility/2006">
-          <mc:Choice xmlns:a14="http://schemas.microsoft.com/office/drawing/2010/main" Requires="a14">
+        <mc:AlternateContent xmlns:mc="http://schemas.openxmlformats.org/markup-compatibility/2006" xmlns:a14="http://schemas.microsoft.com/office/drawing/2010/main">
+          <mc:Choice Requires="a14">
             <p:sp>
               <p:nvSpPr>
                 <p:cNvPr id="13334" name="TextBox 13333">
@@ -10572,7 +10560,7 @@
               </p:txBody>
             </p:sp>
           </mc:Choice>
-          <mc:Fallback>
+          <mc:Fallback xmlns="">
             <p:sp>
               <p:nvSpPr>
                 <p:cNvPr id="13334" name="TextBox 13333">
@@ -10617,8 +10605,8 @@
             </p:sp>
           </mc:Fallback>
         </mc:AlternateContent>
-        <mc:AlternateContent xmlns:mc="http://schemas.openxmlformats.org/markup-compatibility/2006">
-          <mc:Choice xmlns:a14="http://schemas.microsoft.com/office/drawing/2010/main" Requires="a14">
+        <mc:AlternateContent xmlns:mc="http://schemas.openxmlformats.org/markup-compatibility/2006" xmlns:a14="http://schemas.microsoft.com/office/drawing/2010/main">
+          <mc:Choice Requires="a14">
             <p:sp>
               <p:nvSpPr>
                 <p:cNvPr id="13335" name="TextBox 13334">
@@ -10688,7 +10676,7 @@
               </p:txBody>
             </p:sp>
           </mc:Choice>
-          <mc:Fallback>
+          <mc:Fallback xmlns="">
             <p:sp>
               <p:nvSpPr>
                 <p:cNvPr id="13335" name="TextBox 13334">
@@ -10733,8 +10721,8 @@
             </p:sp>
           </mc:Fallback>
         </mc:AlternateContent>
-        <mc:AlternateContent xmlns:mc="http://schemas.openxmlformats.org/markup-compatibility/2006">
-          <mc:Choice xmlns:a14="http://schemas.microsoft.com/office/drawing/2010/main" Requires="a14">
+        <mc:AlternateContent xmlns:mc="http://schemas.openxmlformats.org/markup-compatibility/2006" xmlns:a14="http://schemas.microsoft.com/office/drawing/2010/main">
+          <mc:Choice Requires="a14">
             <p:sp>
               <p:nvSpPr>
                 <p:cNvPr id="13336" name="TextBox 13335">
@@ -10792,7 +10780,7 @@
               </p:txBody>
             </p:sp>
           </mc:Choice>
-          <mc:Fallback>
+          <mc:Fallback xmlns="">
             <p:sp>
               <p:nvSpPr>
                 <p:cNvPr id="13336" name="TextBox 13335">
@@ -10837,8 +10825,8 @@
             </p:sp>
           </mc:Fallback>
         </mc:AlternateContent>
-        <mc:AlternateContent xmlns:mc="http://schemas.openxmlformats.org/markup-compatibility/2006">
-          <mc:Choice xmlns:a14="http://schemas.microsoft.com/office/drawing/2010/main" Requires="a14">
+        <mc:AlternateContent xmlns:mc="http://schemas.openxmlformats.org/markup-compatibility/2006" xmlns:a14="http://schemas.microsoft.com/office/drawing/2010/main">
+          <mc:Choice Requires="a14">
             <p:sp>
               <p:nvSpPr>
                 <p:cNvPr id="13337" name="TextBox 13336">
@@ -10898,7 +10886,7 @@
               </p:txBody>
             </p:sp>
           </mc:Choice>
-          <mc:Fallback>
+          <mc:Fallback xmlns="">
             <p:sp>
               <p:nvSpPr>
                 <p:cNvPr id="13337" name="TextBox 13336">
@@ -10943,8 +10931,8 @@
             </p:sp>
           </mc:Fallback>
         </mc:AlternateContent>
-        <mc:AlternateContent xmlns:mc="http://schemas.openxmlformats.org/markup-compatibility/2006">
-          <mc:Choice xmlns:a14="http://schemas.microsoft.com/office/drawing/2010/main" Requires="a14">
+        <mc:AlternateContent xmlns:mc="http://schemas.openxmlformats.org/markup-compatibility/2006" xmlns:a14="http://schemas.microsoft.com/office/drawing/2010/main">
+          <mc:Choice Requires="a14">
             <p:sp>
               <p:nvSpPr>
                 <p:cNvPr id="13338" name="TextBox 13337">
@@ -11004,7 +10992,7 @@
               </p:txBody>
             </p:sp>
           </mc:Choice>
-          <mc:Fallback>
+          <mc:Fallback xmlns="">
             <p:sp>
               <p:nvSpPr>
                 <p:cNvPr id="13338" name="TextBox 13337">
@@ -11049,8 +11037,8 @@
             </p:sp>
           </mc:Fallback>
         </mc:AlternateContent>
-        <mc:AlternateContent xmlns:mc="http://schemas.openxmlformats.org/markup-compatibility/2006">
-          <mc:Choice xmlns:a14="http://schemas.microsoft.com/office/drawing/2010/main" Requires="a14">
+        <mc:AlternateContent xmlns:mc="http://schemas.openxmlformats.org/markup-compatibility/2006" xmlns:a14="http://schemas.microsoft.com/office/drawing/2010/main">
+          <mc:Choice Requires="a14">
             <p:sp>
               <p:nvSpPr>
                 <p:cNvPr id="13339" name="TextBox 13338">
@@ -11120,7 +11108,7 @@
               </p:txBody>
             </p:sp>
           </mc:Choice>
-          <mc:Fallback>
+          <mc:Fallback xmlns="">
             <p:sp>
               <p:nvSpPr>
                 <p:cNvPr id="13339" name="TextBox 13338">
@@ -11165,8 +11153,8 @@
             </p:sp>
           </mc:Fallback>
         </mc:AlternateContent>
-        <mc:AlternateContent xmlns:mc="http://schemas.openxmlformats.org/markup-compatibility/2006">
-          <mc:Choice xmlns:a14="http://schemas.microsoft.com/office/drawing/2010/main" Requires="a14">
+        <mc:AlternateContent xmlns:mc="http://schemas.openxmlformats.org/markup-compatibility/2006" xmlns:a14="http://schemas.microsoft.com/office/drawing/2010/main">
+          <mc:Choice Requires="a14">
             <p:sp>
               <p:nvSpPr>
                 <p:cNvPr id="13340" name="TextBox 13339">
@@ -11236,7 +11224,7 @@
               </p:txBody>
             </p:sp>
           </mc:Choice>
-          <mc:Fallback>
+          <mc:Fallback xmlns="">
             <p:sp>
               <p:nvSpPr>
                 <p:cNvPr id="13340" name="TextBox 13339">
@@ -11281,8 +11269,8 @@
             </p:sp>
           </mc:Fallback>
         </mc:AlternateContent>
-        <mc:AlternateContent xmlns:mc="http://schemas.openxmlformats.org/markup-compatibility/2006">
-          <mc:Choice xmlns:a14="http://schemas.microsoft.com/office/drawing/2010/main" Requires="a14">
+        <mc:AlternateContent xmlns:mc="http://schemas.openxmlformats.org/markup-compatibility/2006" xmlns:a14="http://schemas.microsoft.com/office/drawing/2010/main">
+          <mc:Choice Requires="a14">
             <p:sp>
               <p:nvSpPr>
                 <p:cNvPr id="13341" name="TextBox 13340">
@@ -11342,7 +11330,7 @@
               </p:txBody>
             </p:sp>
           </mc:Choice>
-          <mc:Fallback>
+          <mc:Fallback xmlns="">
             <p:sp>
               <p:nvSpPr>
                 <p:cNvPr id="13341" name="TextBox 13340">
@@ -11387,8 +11375,8 @@
             </p:sp>
           </mc:Fallback>
         </mc:AlternateContent>
-        <mc:AlternateContent xmlns:mc="http://schemas.openxmlformats.org/markup-compatibility/2006">
-          <mc:Choice xmlns:a14="http://schemas.microsoft.com/office/drawing/2010/main" Requires="a14">
+        <mc:AlternateContent xmlns:mc="http://schemas.openxmlformats.org/markup-compatibility/2006" xmlns:a14="http://schemas.microsoft.com/office/drawing/2010/main">
+          <mc:Choice Requires="a14">
             <p:sp>
               <p:nvSpPr>
                 <p:cNvPr id="13342" name="TextBox 13341">
@@ -11448,7 +11436,7 @@
               </p:txBody>
             </p:sp>
           </mc:Choice>
-          <mc:Fallback>
+          <mc:Fallback xmlns="">
             <p:sp>
               <p:nvSpPr>
                 <p:cNvPr id="13342" name="TextBox 13341">
@@ -11493,8 +11481,8 @@
             </p:sp>
           </mc:Fallback>
         </mc:AlternateContent>
-        <mc:AlternateContent xmlns:mc="http://schemas.openxmlformats.org/markup-compatibility/2006">
-          <mc:Choice xmlns:a14="http://schemas.microsoft.com/office/drawing/2010/main" Requires="a14">
+        <mc:AlternateContent xmlns:mc="http://schemas.openxmlformats.org/markup-compatibility/2006" xmlns:a14="http://schemas.microsoft.com/office/drawing/2010/main">
+          <mc:Choice Requires="a14">
             <p:sp>
               <p:nvSpPr>
                 <p:cNvPr id="13343" name="TextBox 13342">
@@ -11554,7 +11542,7 @@
               </p:txBody>
             </p:sp>
           </mc:Choice>
-          <mc:Fallback>
+          <mc:Fallback xmlns="">
             <p:sp>
               <p:nvSpPr>
                 <p:cNvPr id="13343" name="TextBox 13342">
@@ -11599,8 +11587,8 @@
             </p:sp>
           </mc:Fallback>
         </mc:AlternateContent>
-        <mc:AlternateContent xmlns:mc="http://schemas.openxmlformats.org/markup-compatibility/2006">
-          <mc:Choice xmlns:a14="http://schemas.microsoft.com/office/drawing/2010/main" Requires="a14">
+        <mc:AlternateContent xmlns:mc="http://schemas.openxmlformats.org/markup-compatibility/2006" xmlns:a14="http://schemas.microsoft.com/office/drawing/2010/main">
+          <mc:Choice Requires="a14">
             <p:sp>
               <p:nvSpPr>
                 <p:cNvPr id="13344" name="TextBox 13343">
@@ -11644,17 +11632,7 @@
                             <a:latin typeface="Cambria Math" panose="02040503050406030204" pitchFamily="18" charset="0"/>
                             <a:cs typeface="Calibri" panose="020F0502020204030204" pitchFamily="34" charset="0"/>
                           </a:rPr>
-                          <m:t>{1</m:t>
-                        </m:r>
-                        <m:r>
-                          <a:rPr lang="en-US" sz="2000" b="0" i="1" smtClean="0">
-                            <a:solidFill>
-                              <a:schemeClr val="tx1"/>
-                            </a:solidFill>
-                            <a:latin typeface="Cambria Math" panose="02040503050406030204" pitchFamily="18" charset="0"/>
-                            <a:cs typeface="Calibri" panose="020F0502020204030204" pitchFamily="34" charset="0"/>
-                          </a:rPr>
-                          <m:t>}</m:t>
+                          <m:t>{1}</m:t>
                         </m:r>
                       </m:oMath>
                     </m:oMathPara>
@@ -11670,7 +11648,7 @@
               </p:txBody>
             </p:sp>
           </mc:Choice>
-          <mc:Fallback>
+          <mc:Fallback xmlns="">
             <p:sp>
               <p:nvSpPr>
                 <p:cNvPr id="13344" name="TextBox 13343">
@@ -11715,8 +11693,8 @@
             </p:sp>
           </mc:Fallback>
         </mc:AlternateContent>
-        <mc:AlternateContent xmlns:mc="http://schemas.openxmlformats.org/markup-compatibility/2006">
-          <mc:Choice xmlns:a14="http://schemas.microsoft.com/office/drawing/2010/main" Requires="a14">
+        <mc:AlternateContent xmlns:mc="http://schemas.openxmlformats.org/markup-compatibility/2006" xmlns:a14="http://schemas.microsoft.com/office/drawing/2010/main">
+          <mc:Choice Requires="a14">
             <p:sp>
               <p:nvSpPr>
                 <p:cNvPr id="13345" name="TextBox 13344">
@@ -11760,17 +11738,7 @@
                             <a:latin typeface="Cambria Math" panose="02040503050406030204" pitchFamily="18" charset="0"/>
                             <a:cs typeface="Calibri" panose="020F0502020204030204" pitchFamily="34" charset="0"/>
                           </a:rPr>
-                          <m:t>{1</m:t>
-                        </m:r>
-                        <m:r>
-                          <a:rPr lang="en-US" sz="2000" b="0" i="1" smtClean="0">
-                            <a:solidFill>
-                              <a:schemeClr val="tx1"/>
-                            </a:solidFill>
-                            <a:latin typeface="Cambria Math" panose="02040503050406030204" pitchFamily="18" charset="0"/>
-                            <a:cs typeface="Calibri" panose="020F0502020204030204" pitchFamily="34" charset="0"/>
-                          </a:rPr>
-                          <m:t>,5}</m:t>
+                          <m:t>{1,5}</m:t>
                         </m:r>
                       </m:oMath>
                     </m:oMathPara>
@@ -11786,7 +11754,7 @@
               </p:txBody>
             </p:sp>
           </mc:Choice>
-          <mc:Fallback>
+          <mc:Fallback xmlns="">
             <p:sp>
               <p:nvSpPr>
                 <p:cNvPr id="13345" name="TextBox 13344">
@@ -11832,8 +11800,8 @@
           </mc:Fallback>
         </mc:AlternateContent>
       </p:grpSp>
-      <mc:AlternateContent xmlns:mc="http://schemas.openxmlformats.org/markup-compatibility/2006">
-        <mc:Choice xmlns:a14="http://schemas.microsoft.com/office/drawing/2010/main" Requires="a14">
+      <mc:AlternateContent xmlns:mc="http://schemas.openxmlformats.org/markup-compatibility/2006" xmlns:a14="http://schemas.microsoft.com/office/drawing/2010/main">
+        <mc:Choice Requires="a14">
           <p:sp>
             <p:nvSpPr>
               <p:cNvPr id="13346" name="Content Placeholder 2">
@@ -12148,7 +12116,7 @@
             </p:txBody>
           </p:sp>
         </mc:Choice>
-        <mc:Fallback>
+        <mc:Fallback xmlns="">
           <p:sp>
             <p:nvSpPr>
               <p:cNvPr id="13346" name="Content Placeholder 2">
@@ -12258,8 +12226,8 @@
             <a:chExt cx="9692467" cy="4046633"/>
           </a:xfrm>
         </p:grpSpPr>
-        <mc:AlternateContent xmlns:mc="http://schemas.openxmlformats.org/markup-compatibility/2006">
-          <mc:Choice xmlns:a14="http://schemas.microsoft.com/office/drawing/2010/main" Requires="a14">
+        <mc:AlternateContent xmlns:mc="http://schemas.openxmlformats.org/markup-compatibility/2006" xmlns:a14="http://schemas.microsoft.com/office/drawing/2010/main">
+          <mc:Choice Requires="a14">
             <p:sp>
               <p:nvSpPr>
                 <p:cNvPr id="13354" name="TextBox 13353">
@@ -12605,7 +12573,7 @@
               </p:txBody>
             </p:sp>
           </mc:Choice>
-          <mc:Fallback>
+          <mc:Fallback xmlns="">
             <p:sp>
               <p:nvSpPr>
                 <p:cNvPr id="13354" name="TextBox 13353">
@@ -12650,8 +12618,8 @@
             </p:sp>
           </mc:Fallback>
         </mc:AlternateContent>
-        <mc:AlternateContent xmlns:mc="http://schemas.openxmlformats.org/markup-compatibility/2006">
-          <mc:Choice xmlns:a14="http://schemas.microsoft.com/office/drawing/2010/main" Requires="a14">
+        <mc:AlternateContent xmlns:mc="http://schemas.openxmlformats.org/markup-compatibility/2006" xmlns:a14="http://schemas.microsoft.com/office/drawing/2010/main">
+          <mc:Choice Requires="a14">
             <p:sp>
               <p:nvSpPr>
                 <p:cNvPr id="13355" name="TextBox 13354">
@@ -13184,7 +13152,7 @@
               </p:txBody>
             </p:sp>
           </mc:Choice>
-          <mc:Fallback>
+          <mc:Fallback xmlns="">
             <p:sp>
               <p:nvSpPr>
                 <p:cNvPr id="13355" name="TextBox 13354">
@@ -13278,8 +13246,8 @@
             </a:p>
           </p:txBody>
         </p:sp>
-        <mc:AlternateContent xmlns:mc="http://schemas.openxmlformats.org/markup-compatibility/2006">
-          <mc:Choice xmlns:a14="http://schemas.microsoft.com/office/drawing/2010/main" Requires="a14">
+        <mc:AlternateContent xmlns:mc="http://schemas.openxmlformats.org/markup-compatibility/2006" xmlns:a14="http://schemas.microsoft.com/office/drawing/2010/main">
+          <mc:Choice Requires="a14">
             <p:sp>
               <p:nvSpPr>
                 <p:cNvPr id="13357" name="Content Placeholder 2">
@@ -13534,7 +13502,7 @@
               </p:txBody>
             </p:sp>
           </mc:Choice>
-          <mc:Fallback>
+          <mc:Fallback xmlns="">
             <p:sp>
               <p:nvSpPr>
                 <p:cNvPr id="13357" name="Content Placeholder 2">
@@ -13628,8 +13596,8 @@
             </a:p>
           </p:txBody>
         </p:sp>
-        <mc:AlternateContent xmlns:mc="http://schemas.openxmlformats.org/markup-compatibility/2006">
-          <mc:Choice xmlns:a14="http://schemas.microsoft.com/office/drawing/2010/main" Requires="a14">
+        <mc:AlternateContent xmlns:mc="http://schemas.openxmlformats.org/markup-compatibility/2006" xmlns:a14="http://schemas.microsoft.com/office/drawing/2010/main">
+          <mc:Choice Requires="a14">
             <p:sp>
               <p:nvSpPr>
                 <p:cNvPr id="13359" name="Content Placeholder 2">
@@ -13884,7 +13852,7 @@
               </p:txBody>
             </p:sp>
           </mc:Choice>
-          <mc:Fallback>
+          <mc:Fallback xmlns="">
             <p:sp>
               <p:nvSpPr>
                 <p:cNvPr id="13359" name="Content Placeholder 2">
@@ -13930,8 +13898,8 @@
           </mc:Fallback>
         </mc:AlternateContent>
       </p:grpSp>
-      <mc:AlternateContent xmlns:mc="http://schemas.openxmlformats.org/markup-compatibility/2006">
-        <mc:Choice xmlns:a14="http://schemas.microsoft.com/office/drawing/2010/main" Requires="a14">
+      <mc:AlternateContent xmlns:mc="http://schemas.openxmlformats.org/markup-compatibility/2006" xmlns:a14="http://schemas.microsoft.com/office/drawing/2010/main">
+        <mc:Choice Requires="a14">
           <p:sp>
             <p:nvSpPr>
               <p:cNvPr id="13360" name="Content Placeholder 2">
@@ -14231,7 +14199,7 @@
             </p:txBody>
           </p:sp>
         </mc:Choice>
-        <mc:Fallback>
+        <mc:Fallback xmlns="">
           <p:sp>
             <p:nvSpPr>
               <p:cNvPr id="13360" name="Content Placeholder 2">
@@ -14349,8 +14317,8 @@
           </a:p>
         </p:txBody>
       </p:sp>
-      <mc:AlternateContent xmlns:mc="http://schemas.openxmlformats.org/markup-compatibility/2006">
-        <mc:Choice xmlns:a14="http://schemas.microsoft.com/office/drawing/2010/main" Requires="a14">
+      <mc:AlternateContent xmlns:mc="http://schemas.openxmlformats.org/markup-compatibility/2006" xmlns:a14="http://schemas.microsoft.com/office/drawing/2010/main">
+        <mc:Choice Requires="a14">
           <p:sp>
             <p:nvSpPr>
               <p:cNvPr id="13362" name="Content Placeholder 2">
@@ -14768,7 +14736,7 @@
             </p:txBody>
           </p:sp>
         </mc:Choice>
-        <mc:Fallback>
+        <mc:Fallback xmlns="">
           <p:sp>
             <p:nvSpPr>
               <p:cNvPr id="13362" name="Content Placeholder 2">
@@ -14813,8 +14781,8 @@
           </p:sp>
         </mc:Fallback>
       </mc:AlternateContent>
-      <mc:AlternateContent xmlns:mc="http://schemas.openxmlformats.org/markup-compatibility/2006">
-        <mc:Choice xmlns:a14="http://schemas.microsoft.com/office/drawing/2010/main" Requires="a14">
+      <mc:AlternateContent xmlns:mc="http://schemas.openxmlformats.org/markup-compatibility/2006" xmlns:a14="http://schemas.microsoft.com/office/drawing/2010/main">
+        <mc:Choice Requires="a14">
           <p:sp>
             <p:nvSpPr>
               <p:cNvPr id="13363" name="TextBox 13362">
@@ -15200,7 +15168,7 @@
             </p:txBody>
           </p:sp>
         </mc:Choice>
-        <mc:Fallback>
+        <mc:Fallback xmlns="">
           <p:sp>
             <p:nvSpPr>
               <p:cNvPr id="13363" name="TextBox 13362">
@@ -15363,8 +15331,8 @@
             </a:p>
           </p:txBody>
         </p:sp>
-        <mc:AlternateContent xmlns:mc="http://schemas.openxmlformats.org/markup-compatibility/2006">
-          <mc:Choice xmlns:a14="http://schemas.microsoft.com/office/drawing/2010/main" Requires="a14">
+        <mc:AlternateContent xmlns:mc="http://schemas.openxmlformats.org/markup-compatibility/2006" xmlns:a14="http://schemas.microsoft.com/office/drawing/2010/main">
+          <mc:Choice Requires="a14">
             <p:sp>
               <p:nvSpPr>
                 <p:cNvPr id="13379" name="TextBox 13378">
@@ -15439,7 +15407,7 @@
               </p:txBody>
             </p:sp>
           </mc:Choice>
-          <mc:Fallback>
+          <mc:Fallback xmlns="">
             <p:sp>
               <p:nvSpPr>
                 <p:cNvPr id="13379" name="TextBox 13378">
@@ -15484,8 +15452,8 @@
             </p:sp>
           </mc:Fallback>
         </mc:AlternateContent>
-        <mc:AlternateContent xmlns:mc="http://schemas.openxmlformats.org/markup-compatibility/2006">
-          <mc:Choice xmlns:a14="http://schemas.microsoft.com/office/drawing/2010/main" Requires="a14">
+        <mc:AlternateContent xmlns:mc="http://schemas.openxmlformats.org/markup-compatibility/2006" xmlns:a14="http://schemas.microsoft.com/office/drawing/2010/main">
+          <mc:Choice Requires="a14">
             <p:sp>
               <p:nvSpPr>
                 <p:cNvPr id="13380" name="TextBox 13379">
@@ -15560,7 +15528,7 @@
               </p:txBody>
             </p:sp>
           </mc:Choice>
-          <mc:Fallback>
+          <mc:Fallback xmlns="">
             <p:sp>
               <p:nvSpPr>
                 <p:cNvPr id="13380" name="TextBox 13379">
@@ -15605,8 +15573,8 @@
             </p:sp>
           </mc:Fallback>
         </mc:AlternateContent>
-        <mc:AlternateContent xmlns:mc="http://schemas.openxmlformats.org/markup-compatibility/2006">
-          <mc:Choice xmlns:a14="http://schemas.microsoft.com/office/drawing/2010/main" Requires="a14">
+        <mc:AlternateContent xmlns:mc="http://schemas.openxmlformats.org/markup-compatibility/2006" xmlns:a14="http://schemas.microsoft.com/office/drawing/2010/main">
+          <mc:Choice Requires="a14">
             <p:sp>
               <p:nvSpPr>
                 <p:cNvPr id="13381" name="TextBox 13380">
@@ -15660,7 +15628,7 @@
               </p:txBody>
             </p:sp>
           </mc:Choice>
-          <mc:Fallback>
+          <mc:Fallback xmlns="">
             <p:sp>
               <p:nvSpPr>
                 <p:cNvPr id="13381" name="TextBox 13380">
@@ -15705,8 +15673,8 @@
             </p:sp>
           </mc:Fallback>
         </mc:AlternateContent>
-        <mc:AlternateContent xmlns:mc="http://schemas.openxmlformats.org/markup-compatibility/2006">
-          <mc:Choice xmlns:a14="http://schemas.microsoft.com/office/drawing/2010/main" Requires="a14">
+        <mc:AlternateContent xmlns:mc="http://schemas.openxmlformats.org/markup-compatibility/2006" xmlns:a14="http://schemas.microsoft.com/office/drawing/2010/main">
+          <mc:Choice Requires="a14">
             <p:sp>
               <p:nvSpPr>
                 <p:cNvPr id="13382" name="TextBox 13381">
@@ -15781,7 +15749,7 @@
               </p:txBody>
             </p:sp>
           </mc:Choice>
-          <mc:Fallback>
+          <mc:Fallback xmlns="">
             <p:sp>
               <p:nvSpPr>
                 <p:cNvPr id="13382" name="TextBox 13381">
@@ -16088,8 +16056,8 @@
             </a:p>
           </p:txBody>
         </p:sp>
-        <mc:AlternateContent xmlns:mc="http://schemas.openxmlformats.org/markup-compatibility/2006">
-          <mc:Choice xmlns:a14="http://schemas.microsoft.com/office/drawing/2010/main" Requires="a14">
+        <mc:AlternateContent xmlns:mc="http://schemas.openxmlformats.org/markup-compatibility/2006" xmlns:a14="http://schemas.microsoft.com/office/drawing/2010/main">
+          <mc:Choice Requires="a14">
             <p:sp>
               <p:nvSpPr>
                 <p:cNvPr id="13389" name="TextBox 13388">
@@ -16144,7 +16112,7 @@
               </p:txBody>
             </p:sp>
           </mc:Choice>
-          <mc:Fallback>
+          <mc:Fallback xmlns="">
             <p:sp>
               <p:nvSpPr>
                 <p:cNvPr id="13389" name="TextBox 13388">
@@ -16862,8 +16830,8 @@
             </a:p>
           </p:txBody>
         </p:sp>
-        <mc:AlternateContent xmlns:mc="http://schemas.openxmlformats.org/markup-compatibility/2006">
-          <mc:Choice xmlns:a14="http://schemas.microsoft.com/office/drawing/2010/main" Requires="a14">
+        <mc:AlternateContent xmlns:mc="http://schemas.openxmlformats.org/markup-compatibility/2006" xmlns:a14="http://schemas.microsoft.com/office/drawing/2010/main">
+          <mc:Choice Requires="a14">
             <p:sp>
               <p:nvSpPr>
                 <p:cNvPr id="13403" name="TextBox 13402">
@@ -16918,7 +16886,7 @@
               </p:txBody>
             </p:sp>
           </mc:Choice>
-          <mc:Fallback>
+          <mc:Fallback xmlns="">
             <p:sp>
               <p:nvSpPr>
                 <p:cNvPr id="13403" name="TextBox 13402">
@@ -17796,8 +17764,8 @@
             </a:p>
           </p:txBody>
         </p:sp>
-        <mc:AlternateContent xmlns:mc="http://schemas.openxmlformats.org/markup-compatibility/2006">
-          <mc:Choice xmlns:a14="http://schemas.microsoft.com/office/drawing/2010/main" Requires="a14">
+        <mc:AlternateContent xmlns:mc="http://schemas.openxmlformats.org/markup-compatibility/2006" xmlns:a14="http://schemas.microsoft.com/office/drawing/2010/main">
+          <mc:Choice Requires="a14">
             <p:sp>
               <p:nvSpPr>
                 <p:cNvPr id="13420" name="TextBox 13419">
@@ -17935,7 +17903,7 @@
               </p:txBody>
             </p:sp>
           </mc:Choice>
-          <mc:Fallback>
+          <mc:Fallback xmlns="">
             <p:sp>
               <p:nvSpPr>
                 <p:cNvPr id="13420" name="TextBox 13419">
@@ -17980,8 +17948,8 @@
             </p:sp>
           </mc:Fallback>
         </mc:AlternateContent>
-        <mc:AlternateContent xmlns:mc="http://schemas.openxmlformats.org/markup-compatibility/2006">
-          <mc:Choice xmlns:a14="http://schemas.microsoft.com/office/drawing/2010/main" Requires="a14">
+        <mc:AlternateContent xmlns:mc="http://schemas.openxmlformats.org/markup-compatibility/2006" xmlns:a14="http://schemas.microsoft.com/office/drawing/2010/main">
+          <mc:Choice Requires="a14">
             <p:sp>
               <p:nvSpPr>
                 <p:cNvPr id="13421" name="TextBox 13420">
@@ -18115,7 +18083,7 @@
               </p:txBody>
             </p:sp>
           </mc:Choice>
-          <mc:Fallback>
+          <mc:Fallback xmlns="">
             <p:sp>
               <p:nvSpPr>
                 <p:cNvPr id="13421" name="TextBox 13420">
@@ -18160,8 +18128,8 @@
             </p:sp>
           </mc:Fallback>
         </mc:AlternateContent>
-        <mc:AlternateContent xmlns:mc="http://schemas.openxmlformats.org/markup-compatibility/2006">
-          <mc:Choice xmlns:a14="http://schemas.microsoft.com/office/drawing/2010/main" Requires="a14">
+        <mc:AlternateContent xmlns:mc="http://schemas.openxmlformats.org/markup-compatibility/2006" xmlns:a14="http://schemas.microsoft.com/office/drawing/2010/main">
+          <mc:Choice Requires="a14">
             <p:sp>
               <p:nvSpPr>
                 <p:cNvPr id="13422" name="TextBox 13421">
@@ -18264,7 +18232,7 @@
               </p:txBody>
             </p:sp>
           </mc:Choice>
-          <mc:Fallback>
+          <mc:Fallback xmlns="">
             <p:sp>
               <p:nvSpPr>
                 <p:cNvPr id="13422" name="TextBox 13421">
@@ -18309,8 +18277,8 @@
             </p:sp>
           </mc:Fallback>
         </mc:AlternateContent>
-        <mc:AlternateContent xmlns:mc="http://schemas.openxmlformats.org/markup-compatibility/2006">
-          <mc:Choice xmlns:a14="http://schemas.microsoft.com/office/drawing/2010/main" Requires="a14">
+        <mc:AlternateContent xmlns:mc="http://schemas.openxmlformats.org/markup-compatibility/2006" xmlns:a14="http://schemas.microsoft.com/office/drawing/2010/main">
+          <mc:Choice Requires="a14">
             <p:sp>
               <p:nvSpPr>
                 <p:cNvPr id="13423" name="TextBox 13422">
@@ -18438,7 +18406,7 @@
               </p:txBody>
             </p:sp>
           </mc:Choice>
-          <mc:Fallback>
+          <mc:Fallback xmlns="">
             <p:sp>
               <p:nvSpPr>
                 <p:cNvPr id="13423" name="TextBox 13422">
@@ -18483,8 +18451,8 @@
             </p:sp>
           </mc:Fallback>
         </mc:AlternateContent>
-        <mc:AlternateContent xmlns:mc="http://schemas.openxmlformats.org/markup-compatibility/2006">
-          <mc:Choice xmlns:a14="http://schemas.microsoft.com/office/drawing/2010/main" Requires="a14">
+        <mc:AlternateContent xmlns:mc="http://schemas.openxmlformats.org/markup-compatibility/2006" xmlns:a14="http://schemas.microsoft.com/office/drawing/2010/main">
+          <mc:Choice Requires="a14">
             <p:sp>
               <p:nvSpPr>
                 <p:cNvPr id="13424" name="TextBox 13423">
@@ -18600,7 +18568,7 @@
               </p:txBody>
             </p:sp>
           </mc:Choice>
-          <mc:Fallback>
+          <mc:Fallback xmlns="">
             <p:sp>
               <p:nvSpPr>
                 <p:cNvPr id="13424" name="TextBox 13423">
@@ -18645,8 +18613,8 @@
             </p:sp>
           </mc:Fallback>
         </mc:AlternateContent>
-        <mc:AlternateContent xmlns:mc="http://schemas.openxmlformats.org/markup-compatibility/2006">
-          <mc:Choice xmlns:a14="http://schemas.microsoft.com/office/drawing/2010/main" Requires="a14">
+        <mc:AlternateContent xmlns:mc="http://schemas.openxmlformats.org/markup-compatibility/2006" xmlns:a14="http://schemas.microsoft.com/office/drawing/2010/main">
+          <mc:Choice Requires="a14">
             <p:sp>
               <p:nvSpPr>
                 <p:cNvPr id="13425" name="TextBox 13424">
@@ -18749,7 +18717,7 @@
               </p:txBody>
             </p:sp>
           </mc:Choice>
-          <mc:Fallback>
+          <mc:Fallback xmlns="">
             <p:sp>
               <p:nvSpPr>
                 <p:cNvPr id="13425" name="TextBox 13424">
@@ -18913,8 +18881,8 @@
             </a:p>
           </p:txBody>
         </p:sp>
-        <mc:AlternateContent xmlns:mc="http://schemas.openxmlformats.org/markup-compatibility/2006">
-          <mc:Choice xmlns:a14="http://schemas.microsoft.com/office/drawing/2010/main" Requires="a14">
+        <mc:AlternateContent xmlns:mc="http://schemas.openxmlformats.org/markup-compatibility/2006" xmlns:a14="http://schemas.microsoft.com/office/drawing/2010/main">
+          <mc:Choice Requires="a14">
             <p:sp>
               <p:nvSpPr>
                 <p:cNvPr id="13452" name="TextBox 13451">
@@ -18968,7 +18936,7 @@
               </p:txBody>
             </p:sp>
           </mc:Choice>
-          <mc:Fallback>
+          <mc:Fallback xmlns="">
             <p:sp>
               <p:nvSpPr>
                 <p:cNvPr id="13452" name="TextBox 13451">
@@ -19111,8 +19079,8 @@
             </a:p>
           </p:txBody>
         </p:sp>
-        <mc:AlternateContent xmlns:mc="http://schemas.openxmlformats.org/markup-compatibility/2006">
-          <mc:Choice xmlns:a14="http://schemas.microsoft.com/office/drawing/2010/main" Requires="a14">
+        <mc:AlternateContent xmlns:mc="http://schemas.openxmlformats.org/markup-compatibility/2006" xmlns:a14="http://schemas.microsoft.com/office/drawing/2010/main">
+          <mc:Choice Requires="a14">
             <p:sp>
               <p:nvSpPr>
                 <p:cNvPr id="13455" name="TextBox 13454">
@@ -19173,7 +19141,7 @@
               </p:txBody>
             </p:sp>
           </mc:Choice>
-          <mc:Fallback>
+          <mc:Fallback xmlns="">
             <p:sp>
               <p:nvSpPr>
                 <p:cNvPr id="13455" name="TextBox 13454">
@@ -19218,8 +19186,8 @@
             </p:sp>
           </mc:Fallback>
         </mc:AlternateContent>
-        <mc:AlternateContent xmlns:mc="http://schemas.openxmlformats.org/markup-compatibility/2006">
-          <mc:Choice xmlns:a14="http://schemas.microsoft.com/office/drawing/2010/main" Requires="a14">
+        <mc:AlternateContent xmlns:mc="http://schemas.openxmlformats.org/markup-compatibility/2006" xmlns:a14="http://schemas.microsoft.com/office/drawing/2010/main">
+          <mc:Choice Requires="a14">
             <p:sp>
               <p:nvSpPr>
                 <p:cNvPr id="13456" name="TextBox 13455">
@@ -19280,7 +19248,7 @@
               </p:txBody>
             </p:sp>
           </mc:Choice>
-          <mc:Fallback>
+          <mc:Fallback xmlns="">
             <p:sp>
               <p:nvSpPr>
                 <p:cNvPr id="13456" name="TextBox 13455">
@@ -19429,8 +19397,8 @@
             </a:fontRef>
           </p:style>
         </p:cxnSp>
-        <mc:AlternateContent xmlns:mc="http://schemas.openxmlformats.org/markup-compatibility/2006">
-          <mc:Choice xmlns:a14="http://schemas.microsoft.com/office/drawing/2010/main" Requires="a14">
+        <mc:AlternateContent xmlns:mc="http://schemas.openxmlformats.org/markup-compatibility/2006" xmlns:a14="http://schemas.microsoft.com/office/drawing/2010/main">
+          <mc:Choice Requires="a14">
             <p:sp>
               <p:nvSpPr>
                 <p:cNvPr id="13459" name="Rectangle 13458">
@@ -19515,7 +19483,7 @@
               </p:txBody>
             </p:sp>
           </mc:Choice>
-          <mc:Fallback>
+          <mc:Fallback xmlns="">
             <p:sp>
               <p:nvSpPr>
                 <p:cNvPr id="13459" name="Rectangle 13458">
@@ -19563,8 +19531,8 @@
             </p:sp>
           </mc:Fallback>
         </mc:AlternateContent>
-        <mc:AlternateContent xmlns:mc="http://schemas.openxmlformats.org/markup-compatibility/2006">
-          <mc:Choice xmlns:a14="http://schemas.microsoft.com/office/drawing/2010/main" Requires="a14">
+        <mc:AlternateContent xmlns:mc="http://schemas.openxmlformats.org/markup-compatibility/2006" xmlns:a14="http://schemas.microsoft.com/office/drawing/2010/main">
+          <mc:Choice Requires="a14">
             <p:sp>
               <p:nvSpPr>
                 <p:cNvPr id="13460" name="TextBox 13459">
@@ -19982,7 +19950,7 @@
               </p:txBody>
             </p:sp>
           </mc:Choice>
-          <mc:Fallback>
+          <mc:Fallback xmlns="">
             <p:sp>
               <p:nvSpPr>
                 <p:cNvPr id="13460" name="TextBox 13459">
@@ -20027,8 +19995,8 @@
             </p:sp>
           </mc:Fallback>
         </mc:AlternateContent>
-        <mc:AlternateContent xmlns:mc="http://schemas.openxmlformats.org/markup-compatibility/2006">
-          <mc:Choice xmlns:a14="http://schemas.microsoft.com/office/drawing/2010/main" Requires="a14">
+        <mc:AlternateContent xmlns:mc="http://schemas.openxmlformats.org/markup-compatibility/2006" xmlns:a14="http://schemas.microsoft.com/office/drawing/2010/main">
+          <mc:Choice Requires="a14">
             <p:sp>
               <p:nvSpPr>
                 <p:cNvPr id="13461" name="TextBox 13460">
@@ -20089,7 +20057,7 @@
               </p:txBody>
             </p:sp>
           </mc:Choice>
-          <mc:Fallback>
+          <mc:Fallback xmlns="">
             <p:sp>
               <p:nvSpPr>
                 <p:cNvPr id="13461" name="TextBox 13460">
@@ -20418,8 +20386,8 @@
             </a:fontRef>
           </p:style>
         </p:cxnSp>
-        <mc:AlternateContent xmlns:mc="http://schemas.openxmlformats.org/markup-compatibility/2006">
-          <mc:Choice xmlns:a14="http://schemas.microsoft.com/office/drawing/2010/main" Requires="a14">
+        <mc:AlternateContent xmlns:mc="http://schemas.openxmlformats.org/markup-compatibility/2006" xmlns:a14="http://schemas.microsoft.com/office/drawing/2010/main">
+          <mc:Choice Requires="a14">
             <p:sp>
               <p:nvSpPr>
                 <p:cNvPr id="13467" name="Rectangle 13466">
@@ -20548,7 +20516,7 @@
               </p:txBody>
             </p:sp>
           </mc:Choice>
-          <mc:Fallback>
+          <mc:Fallback xmlns="">
             <p:sp>
               <p:nvSpPr>
                 <p:cNvPr id="13467" name="Rectangle 13466">
@@ -20761,8 +20729,8 @@
           </a:p>
         </p:txBody>
       </p:sp>
-      <mc:AlternateContent xmlns:mc="http://schemas.openxmlformats.org/markup-compatibility/2006">
-        <mc:Choice xmlns:a14="http://schemas.microsoft.com/office/drawing/2010/main" Requires="a14">
+      <mc:AlternateContent xmlns:mc="http://schemas.openxmlformats.org/markup-compatibility/2006" xmlns:a14="http://schemas.microsoft.com/office/drawing/2010/main">
+        <mc:Choice Requires="a14">
           <p:sp>
             <p:nvSpPr>
               <p:cNvPr id="13470" name="TextBox 13469">
@@ -21006,7 +20974,7 @@
             </p:txBody>
           </p:sp>
         </mc:Choice>
-        <mc:Fallback>
+        <mc:Fallback xmlns="">
           <p:sp>
             <p:nvSpPr>
               <p:cNvPr id="13470" name="TextBox 13469">
@@ -21513,8 +21481,8 @@
             <a:chExt cx="10180846" cy="5111742"/>
           </a:xfrm>
         </p:grpSpPr>
-        <mc:AlternateContent xmlns:mc="http://schemas.openxmlformats.org/markup-compatibility/2006">
-          <mc:Choice xmlns:a14="http://schemas.microsoft.com/office/drawing/2010/main" Requires="a14">
+        <mc:AlternateContent xmlns:mc="http://schemas.openxmlformats.org/markup-compatibility/2006" xmlns:a14="http://schemas.microsoft.com/office/drawing/2010/main">
+          <mc:Choice Requires="a14">
             <p:sp>
               <p:nvSpPr>
                 <p:cNvPr id="13484" name="Content Placeholder 2">
@@ -22131,7 +22099,7 @@
               </p:txBody>
             </p:sp>
           </mc:Choice>
-          <mc:Fallback>
+          <mc:Fallback xmlns="">
             <p:sp>
               <p:nvSpPr>
                 <p:cNvPr id="13484" name="Content Placeholder 2">
@@ -22192,7 +22160,7 @@
               </p:nvSpPr>
               <p:spPr>
                 <a:xfrm>
-                  <a:off x="2990088" y="3113400"/>
+                  <a:off x="2990088" y="3156943"/>
                   <a:ext cx="6100996" cy="1232645"/>
                 </a:xfrm>
                 <a:prstGeom prst="rect">
@@ -22452,7 +22420,7 @@
               </p:nvSpPr>
               <p:spPr>
                 <a:xfrm>
-                  <a:off x="2990088" y="3113400"/>
+                  <a:off x="2990088" y="3156943"/>
                   <a:ext cx="6100996" cy="1232645"/>
                 </a:xfrm>
                 <a:prstGeom prst="rect">
@@ -22461,7 +22429,7 @@
                 <a:blipFill>
                   <a:blip r:embed="rId91"/>
                   <a:stretch>
-                    <a:fillRect t="-2041"/>
+                    <a:fillRect t="-3093"/>
                   </a:stretch>
                 </a:blipFill>
               </p:spPr>
@@ -22480,8 +22448,8 @@
             </p:sp>
           </mc:Fallback>
         </mc:AlternateContent>
-        <mc:AlternateContent xmlns:mc="http://schemas.openxmlformats.org/markup-compatibility/2006">
-          <mc:Choice xmlns:a14="http://schemas.microsoft.com/office/drawing/2010/main" Requires="a14">
+        <mc:AlternateContent xmlns:mc="http://schemas.openxmlformats.org/markup-compatibility/2006" xmlns:a14="http://schemas.microsoft.com/office/drawing/2010/main">
+          <mc:Choice Requires="a14">
             <p:sp>
               <p:nvSpPr>
                 <p:cNvPr id="13486" name="TextBox 13485">
@@ -22716,7 +22684,7 @@
               </p:txBody>
             </p:sp>
           </mc:Choice>
-          <mc:Fallback>
+          <mc:Fallback xmlns="">
             <p:sp>
               <p:nvSpPr>
                 <p:cNvPr id="13486" name="TextBox 13485">
@@ -22867,8 +22835,8 @@
           </a:prstGeom>
         </p:spPr>
       </p:pic>
-      <mc:AlternateContent xmlns:mc="http://schemas.openxmlformats.org/markup-compatibility/2006">
-        <mc:Choice xmlns:a14="http://schemas.microsoft.com/office/drawing/2010/main" Requires="a14">
+      <mc:AlternateContent xmlns:mc="http://schemas.openxmlformats.org/markup-compatibility/2006" xmlns:a14="http://schemas.microsoft.com/office/drawing/2010/main">
+        <mc:Choice Requires="a14">
           <p:sp>
             <p:nvSpPr>
               <p:cNvPr id="13491" name="TextBox 13490">
@@ -23074,7 +23042,7 @@
             </p:txBody>
           </p:sp>
         </mc:Choice>
-        <mc:Fallback>
+        <mc:Fallback xmlns="">
           <p:sp>
             <p:nvSpPr>
               <p:cNvPr id="13491" name="TextBox 13490">
